--- a/Housing_Price_Predication_Project_PPT.pptx
+++ b/Housing_Price_Predication_Project_PPT.pptx
@@ -134,6 +134,11 @@
       </a:defRPr>
     </a:lvl9pPr>
   </p:defaultTextStyle>
+  <p:extLst>
+    <p:ext uri="{EFAFB233-063F-42B5-8137-9DF3F51BA10A}">
+      <p15:sldGuideLst xmlns:p15="http://schemas.microsoft.com/office/powerpoint/2012/main"/>
+    </p:ext>
+  </p:extLst>
 </p:presentation>
 </file>
 
@@ -286,7 +291,7 @@
           <a:p>
             <a:fld id="{47CC7D1A-A47C-4CD0-9CE9-DB8E17FF04CD}" type="datetimeFigureOut">
               <a:rPr lang="en-IN" smtClean="0"/>
-              <a:t>20-10-2022</a:t>
+              <a:t>25-10-2022</a:t>
             </a:fld>
             <a:endParaRPr lang="en-IN"/>
           </a:p>
@@ -486,7 +491,7 @@
           <a:p>
             <a:fld id="{47CC7D1A-A47C-4CD0-9CE9-DB8E17FF04CD}" type="datetimeFigureOut">
               <a:rPr lang="en-IN" smtClean="0"/>
-              <a:t>20-10-2022</a:t>
+              <a:t>25-10-2022</a:t>
             </a:fld>
             <a:endParaRPr lang="en-IN"/>
           </a:p>
@@ -696,7 +701,7 @@
           <a:p>
             <a:fld id="{47CC7D1A-A47C-4CD0-9CE9-DB8E17FF04CD}" type="datetimeFigureOut">
               <a:rPr lang="en-IN" smtClean="0"/>
-              <a:t>20-10-2022</a:t>
+              <a:t>25-10-2022</a:t>
             </a:fld>
             <a:endParaRPr lang="en-IN"/>
           </a:p>
@@ -896,7 +901,7 @@
           <a:p>
             <a:fld id="{47CC7D1A-A47C-4CD0-9CE9-DB8E17FF04CD}" type="datetimeFigureOut">
               <a:rPr lang="en-IN" smtClean="0"/>
-              <a:t>20-10-2022</a:t>
+              <a:t>25-10-2022</a:t>
             </a:fld>
             <a:endParaRPr lang="en-IN"/>
           </a:p>
@@ -1172,7 +1177,7 @@
           <a:p>
             <a:fld id="{47CC7D1A-A47C-4CD0-9CE9-DB8E17FF04CD}" type="datetimeFigureOut">
               <a:rPr lang="en-IN" smtClean="0"/>
-              <a:t>20-10-2022</a:t>
+              <a:t>25-10-2022</a:t>
             </a:fld>
             <a:endParaRPr lang="en-IN"/>
           </a:p>
@@ -1440,7 +1445,7 @@
           <a:p>
             <a:fld id="{47CC7D1A-A47C-4CD0-9CE9-DB8E17FF04CD}" type="datetimeFigureOut">
               <a:rPr lang="en-IN" smtClean="0"/>
-              <a:t>20-10-2022</a:t>
+              <a:t>25-10-2022</a:t>
             </a:fld>
             <a:endParaRPr lang="en-IN"/>
           </a:p>
@@ -1855,7 +1860,7 @@
           <a:p>
             <a:fld id="{47CC7D1A-A47C-4CD0-9CE9-DB8E17FF04CD}" type="datetimeFigureOut">
               <a:rPr lang="en-IN" smtClean="0"/>
-              <a:t>20-10-2022</a:t>
+              <a:t>25-10-2022</a:t>
             </a:fld>
             <a:endParaRPr lang="en-IN"/>
           </a:p>
@@ -1997,7 +2002,7 @@
           <a:p>
             <a:fld id="{47CC7D1A-A47C-4CD0-9CE9-DB8E17FF04CD}" type="datetimeFigureOut">
               <a:rPr lang="en-IN" smtClean="0"/>
-              <a:t>20-10-2022</a:t>
+              <a:t>25-10-2022</a:t>
             </a:fld>
             <a:endParaRPr lang="en-IN"/>
           </a:p>
@@ -2110,7 +2115,7 @@
           <a:p>
             <a:fld id="{47CC7D1A-A47C-4CD0-9CE9-DB8E17FF04CD}" type="datetimeFigureOut">
               <a:rPr lang="en-IN" smtClean="0"/>
-              <a:t>20-10-2022</a:t>
+              <a:t>25-10-2022</a:t>
             </a:fld>
             <a:endParaRPr lang="en-IN"/>
           </a:p>
@@ -2423,7 +2428,7 @@
           <a:p>
             <a:fld id="{47CC7D1A-A47C-4CD0-9CE9-DB8E17FF04CD}" type="datetimeFigureOut">
               <a:rPr lang="en-IN" smtClean="0"/>
-              <a:t>20-10-2022</a:t>
+              <a:t>25-10-2022</a:t>
             </a:fld>
             <a:endParaRPr lang="en-IN"/>
           </a:p>
@@ -2712,7 +2717,7 @@
           <a:p>
             <a:fld id="{47CC7D1A-A47C-4CD0-9CE9-DB8E17FF04CD}" type="datetimeFigureOut">
               <a:rPr lang="en-IN" smtClean="0"/>
-              <a:t>20-10-2022</a:t>
+              <a:t>25-10-2022</a:t>
             </a:fld>
             <a:endParaRPr lang="en-IN"/>
           </a:p>
@@ -2955,7 +2960,7 @@
           <a:p>
             <a:fld id="{47CC7D1A-A47C-4CD0-9CE9-DB8E17FF04CD}" type="datetimeFigureOut">
               <a:rPr lang="en-IN" smtClean="0"/>
-              <a:t>20-10-2022</a:t>
+              <a:t>25-10-2022</a:t>
             </a:fld>
             <a:endParaRPr lang="en-IN"/>
           </a:p>
@@ -20347,10 +20352,10 @@
       </p:sp>
       <p:pic>
         <p:nvPicPr>
-          <p:cNvPr id="10" name="Picture 9">
-            <a:extLst>
-              <a:ext uri="{FF2B5EF4-FFF2-40B4-BE49-F238E27FC236}">
-                <a16:creationId xmlns:a16="http://schemas.microsoft.com/office/drawing/2014/main" id="{AB3D1005-F343-4B76-A536-194B5414AD34}"/>
+          <p:cNvPr id="2" name="Picture 1">
+            <a:extLst>
+              <a:ext uri="{FF2B5EF4-FFF2-40B4-BE49-F238E27FC236}">
+                <a16:creationId xmlns:a16="http://schemas.microsoft.com/office/drawing/2014/main" id="{C016CD8D-8AD9-49FA-AB00-EEEBDB3D5145}"/>
               </a:ext>
             </a:extLst>
           </p:cNvPr>
@@ -20360,21 +20365,15 @@
           <p:nvPr/>
         </p:nvPicPr>
         <p:blipFill>
-          <a:blip r:embed="rId2">
-            <a:extLst>
-              <a:ext uri="{28A0092B-C50C-407E-A947-70E740481C1C}">
-                <a14:useLocalDpi xmlns:a14="http://schemas.microsoft.com/office/drawing/2010/main" val="0"/>
-              </a:ext>
-            </a:extLst>
-          </a:blip>
+          <a:blip r:embed="rId2"/>
           <a:stretch>
             <a:fillRect/>
           </a:stretch>
         </p:blipFill>
         <p:spPr>
           <a:xfrm>
-            <a:off x="4998268" y="2525470"/>
-            <a:ext cx="6539075" cy="1487639"/>
+            <a:off x="4781550" y="643468"/>
+            <a:ext cx="7410450" cy="2642657"/>
           </a:xfrm>
           <a:prstGeom prst="rect">
             <a:avLst/>
